--- a/The Eff {Strings} Project 1 Demo.pptx
+++ b/The Eff {Strings} Project 1 Demo.pptx
@@ -16,7 +16,6 @@
     <p:sldId id="265" r:id="rId10"/>
     <p:sldId id="266" r:id="rId11"/>
     <p:sldId id="267" r:id="rId12"/>
-    <p:sldId id="259" r:id="rId13"/>
   </p:sldIdLst>
   <p:sldSz cx="12192000" cy="6858000"/>
   <p:notesSz cx="6858000" cy="9144000"/>
@@ -4791,465 +4790,6 @@
 </p:sld>
 </file>
 
-<file path=ppt/slides/slide12.xml><?xml version="1.0" encoding="utf-8"?>
-<p:sld xmlns:a="http://schemas.openxmlformats.org/drawingml/2006/main" xmlns:r="http://schemas.openxmlformats.org/officeDocument/2006/relationships" xmlns:p="http://schemas.openxmlformats.org/presentationml/2006/main">
-  <p:cSld>
-    <p:spTree>
-      <p:nvGrpSpPr>
-        <p:cNvPr id="1" name=""/>
-        <p:cNvGrpSpPr/>
-        <p:nvPr/>
-      </p:nvGrpSpPr>
-      <p:grpSpPr>
-        <a:xfrm>
-          <a:off x="0" y="0"/>
-          <a:ext cx="0" cy="0"/>
-          <a:chOff x="0" y="0"/>
-          <a:chExt cx="0" cy="0"/>
-        </a:xfrm>
-      </p:grpSpPr>
-      <p:sp>
-        <p:nvSpPr>
-          <p:cNvPr id="2" name="Title 1">
-            <a:extLst>
-              <a:ext uri="{FF2B5EF4-FFF2-40B4-BE49-F238E27FC236}">
-                <a16:creationId xmlns:a16="http://schemas.microsoft.com/office/drawing/2014/main" id="{5A3D7274-E4AE-40F8-971C-C339140C26D4}"/>
-              </a:ext>
-            </a:extLst>
-          </p:cNvPr>
-          <p:cNvSpPr>
-            <a:spLocks noGrp="1"/>
-          </p:cNvSpPr>
-          <p:nvPr>
-            <p:ph type="title"/>
-          </p:nvPr>
-        </p:nvSpPr>
-        <p:spPr/>
-        <p:txBody>
-          <a:bodyPr/>
-          <a:lstStyle/>
-          <a:p>
-            <a:r>
-              <a:rPr lang="en-US" b="1" dirty="0">
-                <a:latin typeface="Gill Sans Nova" panose="020B0602020104020203" pitchFamily="34" charset="0"/>
-              </a:rPr>
-              <a:t>Task breakdown</a:t>
-            </a:r>
-          </a:p>
-        </p:txBody>
-      </p:sp>
-      <p:sp>
-        <p:nvSpPr>
-          <p:cNvPr id="3" name="Content Placeholder 2">
-            <a:extLst>
-              <a:ext uri="{FF2B5EF4-FFF2-40B4-BE49-F238E27FC236}">
-                <a16:creationId xmlns:a16="http://schemas.microsoft.com/office/drawing/2014/main" id="{C46CAA39-4ED7-4C8E-A691-87F576701500}"/>
-              </a:ext>
-            </a:extLst>
-          </p:cNvPr>
-          <p:cNvSpPr>
-            <a:spLocks noGrp="1"/>
-          </p:cNvSpPr>
-          <p:nvPr>
-            <p:ph idx="1"/>
-          </p:nvPr>
-        </p:nvSpPr>
-        <p:spPr>
-          <a:xfrm>
-            <a:off x="1097280" y="2108201"/>
-            <a:ext cx="10058400" cy="1182300"/>
-          </a:xfrm>
-        </p:spPr>
-        <p:txBody>
-          <a:bodyPr>
-            <a:noAutofit/>
-          </a:bodyPr>
-          <a:lstStyle/>
-          <a:p>
-            <a:pPr marL="0" indent="0" algn="ctr">
-              <a:spcBef>
-                <a:spcPts val="0"/>
-              </a:spcBef>
-              <a:spcAft>
-                <a:spcPts val="0"/>
-              </a:spcAft>
-              <a:buNone/>
-            </a:pPr>
-            <a:r>
-              <a:rPr lang="en-US" sz="1800" dirty="0">
-                <a:latin typeface="Arial Black" panose="020B0A04020102020204" pitchFamily="34" charset="0"/>
-              </a:rPr>
-              <a:t>All members</a:t>
-            </a:r>
-          </a:p>
-          <a:p>
-            <a:pPr marL="0" indent="0" algn="ctr">
-              <a:spcBef>
-                <a:spcPts val="0"/>
-              </a:spcBef>
-              <a:spcAft>
-                <a:spcPts val="0"/>
-              </a:spcAft>
-              <a:buNone/>
-            </a:pPr>
-            <a:r>
-              <a:rPr lang="en-US" sz="1800" dirty="0">
-                <a:latin typeface="Gill Sans Nova" panose="020B0602020104020203" pitchFamily="34" charset="0"/>
-              </a:rPr>
-              <a:t>Read and adhere to requirements.</a:t>
-            </a:r>
-          </a:p>
-          <a:p>
-            <a:pPr marL="0" indent="0" algn="ctr">
-              <a:spcBef>
-                <a:spcPts val="0"/>
-              </a:spcBef>
-              <a:spcAft>
-                <a:spcPts val="0"/>
-              </a:spcAft>
-              <a:buNone/>
-            </a:pPr>
-            <a:r>
-              <a:rPr lang="en-US" sz="1800" dirty="0">
-                <a:latin typeface="Gill Sans Nova" panose="020B0602020104020203" pitchFamily="34" charset="0"/>
-              </a:rPr>
-              <a:t>Contribute to presentation</a:t>
-            </a:r>
-            <a:endParaRPr lang="en-US" sz="1800" dirty="0">
-              <a:latin typeface="Arial Black" panose="020B0A04020102020204" pitchFamily="34" charset="0"/>
-            </a:endParaRPr>
-          </a:p>
-        </p:txBody>
-      </p:sp>
-      <p:sp>
-        <p:nvSpPr>
-          <p:cNvPr id="4" name="TextBox 3">
-            <a:extLst>
-              <a:ext uri="{FF2B5EF4-FFF2-40B4-BE49-F238E27FC236}">
-                <a16:creationId xmlns:a16="http://schemas.microsoft.com/office/drawing/2014/main" id="{73629E07-103F-430E-AAEB-95EA2BBC9A4A}"/>
-              </a:ext>
-            </a:extLst>
-          </p:cNvPr>
-          <p:cNvSpPr txBox="1"/>
-          <p:nvPr/>
-        </p:nvSpPr>
-        <p:spPr>
-          <a:xfrm>
-            <a:off x="2880091" y="3400245"/>
-            <a:ext cx="3174520" cy="3231654"/>
-          </a:xfrm>
-          <a:prstGeom prst="rect">
-            <a:avLst/>
-          </a:prstGeom>
-          <a:noFill/>
-        </p:spPr>
-        <p:txBody>
-          <a:bodyPr wrap="square" rtlCol="0">
-            <a:spAutoFit/>
-          </a:bodyPr>
-          <a:lstStyle/>
-          <a:p>
-            <a:pPr marL="0" indent="0">
-              <a:spcBef>
-                <a:spcPts val="0"/>
-              </a:spcBef>
-              <a:spcAft>
-                <a:spcPts val="0"/>
-              </a:spcAft>
-              <a:buNone/>
-            </a:pPr>
-            <a:r>
-              <a:rPr lang="en-US" sz="2400" dirty="0">
-                <a:latin typeface="Arial Black" panose="020B0A04020102020204" pitchFamily="34" charset="0"/>
-              </a:rPr>
-              <a:t>Amber</a:t>
-            </a:r>
-          </a:p>
-          <a:p>
-            <a:pPr marL="0" indent="0">
-              <a:spcBef>
-                <a:spcPts val="0"/>
-              </a:spcBef>
-              <a:spcAft>
-                <a:spcPts val="0"/>
-              </a:spcAft>
-              <a:buNone/>
-            </a:pPr>
-            <a:r>
-              <a:rPr lang="en-US" sz="2400" dirty="0">
-                <a:latin typeface="Gill Sans Nova" panose="020B0602020104020203" pitchFamily="34" charset="0"/>
-              </a:rPr>
-              <a:t>Organize approach</a:t>
-            </a:r>
-          </a:p>
-          <a:p>
-            <a:pPr marL="0" indent="0">
-              <a:spcBef>
-                <a:spcPts val="0"/>
-              </a:spcBef>
-              <a:spcAft>
-                <a:spcPts val="0"/>
-              </a:spcAft>
-              <a:buNone/>
-            </a:pPr>
-            <a:r>
-              <a:rPr lang="en-US" sz="2400" dirty="0">
-                <a:latin typeface="Gill Sans Nova" panose="020B0602020104020203" pitchFamily="34" charset="0"/>
-              </a:rPr>
-              <a:t>Graph Top 5 artists globally</a:t>
-            </a:r>
-          </a:p>
-          <a:p>
-            <a:pPr marL="0" indent="0">
-              <a:spcBef>
-                <a:spcPts val="0"/>
-              </a:spcBef>
-              <a:spcAft>
-                <a:spcPts val="0"/>
-              </a:spcAft>
-              <a:buNone/>
-            </a:pPr>
-            <a:endParaRPr lang="en-US" sz="2400" dirty="0">
-              <a:latin typeface="Gill Sans Nova" panose="020B0602020104020203" pitchFamily="34" charset="0"/>
-            </a:endParaRPr>
-          </a:p>
-          <a:p>
-            <a:pPr marL="0" indent="0">
-              <a:spcBef>
-                <a:spcPts val="0"/>
-              </a:spcBef>
-              <a:spcAft>
-                <a:spcPts val="0"/>
-              </a:spcAft>
-              <a:buNone/>
-            </a:pPr>
-            <a:r>
-              <a:rPr lang="en-US" sz="2400" dirty="0">
-                <a:latin typeface="Arial Black" panose="020B0A04020102020204" pitchFamily="34" charset="0"/>
-              </a:rPr>
-              <a:t>Christian</a:t>
-            </a:r>
-          </a:p>
-          <a:p>
-            <a:pPr marL="0" indent="0">
-              <a:spcBef>
-                <a:spcPts val="0"/>
-              </a:spcBef>
-              <a:spcAft>
-                <a:spcPts val="0"/>
-              </a:spcAft>
-              <a:buNone/>
-            </a:pPr>
-            <a:r>
-              <a:rPr lang="en-US" sz="2400" dirty="0">
-                <a:latin typeface="Gill Sans Nova" panose="020B0602020104020203" pitchFamily="34" charset="0"/>
-              </a:rPr>
-              <a:t>Graph types 5 and 6</a:t>
-            </a:r>
-          </a:p>
-          <a:p>
-            <a:pPr marL="0" indent="0">
-              <a:spcBef>
-                <a:spcPts val="0"/>
-              </a:spcBef>
-              <a:spcAft>
-                <a:spcPts val="0"/>
-              </a:spcAft>
-              <a:buNone/>
-            </a:pPr>
-            <a:endParaRPr lang="en-US" sz="2400" dirty="0">
-              <a:latin typeface="Gill Sans Nova" panose="020B0602020104020203" pitchFamily="34" charset="0"/>
-            </a:endParaRPr>
-          </a:p>
-          <a:p>
-            <a:pPr marL="0" indent="0">
-              <a:spcBef>
-                <a:spcPts val="0"/>
-              </a:spcBef>
-              <a:spcAft>
-                <a:spcPts val="0"/>
-              </a:spcAft>
-              <a:buNone/>
-            </a:pPr>
-            <a:endParaRPr lang="en-US" sz="1200" dirty="0">
-              <a:latin typeface="Gill Sans Nova" panose="020B0602020104020203" pitchFamily="34" charset="0"/>
-            </a:endParaRPr>
-          </a:p>
-        </p:txBody>
-      </p:sp>
-      <p:sp>
-        <p:nvSpPr>
-          <p:cNvPr id="5" name="TextBox 4">
-            <a:extLst>
-              <a:ext uri="{FF2B5EF4-FFF2-40B4-BE49-F238E27FC236}">
-                <a16:creationId xmlns:a16="http://schemas.microsoft.com/office/drawing/2014/main" id="{7F407906-917A-4281-913F-221D2453B3A3}"/>
-              </a:ext>
-            </a:extLst>
-          </p:cNvPr>
-          <p:cNvSpPr txBox="1"/>
-          <p:nvPr/>
-        </p:nvSpPr>
-        <p:spPr>
-          <a:xfrm>
-            <a:off x="6787246" y="3232991"/>
-            <a:ext cx="2730897" cy="3139321"/>
-          </a:xfrm>
-          <a:prstGeom prst="rect">
-            <a:avLst/>
-          </a:prstGeom>
-          <a:noFill/>
-        </p:spPr>
-        <p:txBody>
-          <a:bodyPr wrap="square" rtlCol="0">
-            <a:spAutoFit/>
-          </a:bodyPr>
-          <a:lstStyle/>
-          <a:p>
-            <a:pPr marL="0" indent="0">
-              <a:spcBef>
-                <a:spcPts val="0"/>
-              </a:spcBef>
-              <a:spcAft>
-                <a:spcPts val="0"/>
-              </a:spcAft>
-              <a:buNone/>
-            </a:pPr>
-            <a:endParaRPr lang="en-US" sz="1200" dirty="0">
-              <a:latin typeface="Gill Sans Nova" panose="020B0602020104020203" pitchFamily="34" charset="0"/>
-            </a:endParaRPr>
-          </a:p>
-          <a:p>
-            <a:pPr marL="0" indent="0">
-              <a:spcBef>
-                <a:spcPts val="0"/>
-              </a:spcBef>
-              <a:spcAft>
-                <a:spcPts val="0"/>
-              </a:spcAft>
-              <a:buNone/>
-            </a:pPr>
-            <a:r>
-              <a:rPr lang="en-US" sz="2400" dirty="0">
-                <a:latin typeface="Arial Black" panose="020B0A04020102020204" pitchFamily="34" charset="0"/>
-              </a:rPr>
-              <a:t>Ishmael</a:t>
-            </a:r>
-          </a:p>
-          <a:p>
-            <a:pPr marL="0" indent="0">
-              <a:spcBef>
-                <a:spcPts val="0"/>
-              </a:spcBef>
-              <a:spcAft>
-                <a:spcPts val="0"/>
-              </a:spcAft>
-              <a:buNone/>
-            </a:pPr>
-            <a:r>
-              <a:rPr lang="en-US" sz="2400" dirty="0">
-                <a:latin typeface="Gill Sans Nova" panose="020B0602020104020203" pitchFamily="34" charset="0"/>
-              </a:rPr>
-              <a:t>Graph types 7 and 8</a:t>
-            </a:r>
-          </a:p>
-          <a:p>
-            <a:pPr marL="0" indent="0">
-              <a:spcBef>
-                <a:spcPts val="0"/>
-              </a:spcBef>
-              <a:spcAft>
-                <a:spcPts val="0"/>
-              </a:spcAft>
-              <a:buNone/>
-            </a:pPr>
-            <a:endParaRPr lang="en-US" sz="2400" dirty="0">
-              <a:latin typeface="Gill Sans Nova" panose="020B0602020104020203" pitchFamily="34" charset="0"/>
-            </a:endParaRPr>
-          </a:p>
-          <a:p>
-            <a:pPr marL="0" indent="0">
-              <a:spcBef>
-                <a:spcPts val="0"/>
-              </a:spcBef>
-              <a:spcAft>
-                <a:spcPts val="0"/>
-              </a:spcAft>
-              <a:buNone/>
-            </a:pPr>
-            <a:r>
-              <a:rPr lang="en-US" sz="2400" dirty="0">
-                <a:latin typeface="Arial Black" panose="020B0A04020102020204" pitchFamily="34" charset="0"/>
-              </a:rPr>
-              <a:t>Steve</a:t>
-            </a:r>
-          </a:p>
-          <a:p>
-            <a:pPr marL="0" indent="0">
-              <a:spcBef>
-                <a:spcPts val="0"/>
-              </a:spcBef>
-              <a:spcAft>
-                <a:spcPts val="0"/>
-              </a:spcAft>
-              <a:buNone/>
-            </a:pPr>
-            <a:r>
-              <a:rPr lang="en-US" sz="2400" dirty="0">
-                <a:latin typeface="Gill Sans Nova" panose="020B0602020104020203" pitchFamily="34" charset="0"/>
-              </a:rPr>
-              <a:t>Repo management</a:t>
-            </a:r>
-          </a:p>
-          <a:p>
-            <a:pPr marL="0" indent="0">
-              <a:spcBef>
-                <a:spcPts val="0"/>
-              </a:spcBef>
-              <a:spcAft>
-                <a:spcPts val="0"/>
-              </a:spcAft>
-              <a:buNone/>
-            </a:pPr>
-            <a:r>
-              <a:rPr lang="en-US" sz="2400" dirty="0">
-                <a:latin typeface="Gill Sans Nova" panose="020B0602020104020203" pitchFamily="34" charset="0"/>
-              </a:rPr>
-              <a:t>Graph types 3 and 4</a:t>
-            </a:r>
-            <a:endParaRPr lang="en-US" sz="2400" dirty="0"/>
-          </a:p>
-          <a:p>
-            <a:pPr marL="0" indent="0">
-              <a:spcBef>
-                <a:spcPts val="0"/>
-              </a:spcBef>
-              <a:spcAft>
-                <a:spcPts val="0"/>
-              </a:spcAft>
-              <a:buNone/>
-            </a:pPr>
-            <a:endParaRPr lang="en-US" sz="2400" dirty="0">
-              <a:latin typeface="Gill Sans Nova" panose="020B0602020104020203" pitchFamily="34" charset="0"/>
-            </a:endParaRPr>
-          </a:p>
-          <a:p>
-            <a:endParaRPr lang="en-US" dirty="0"/>
-          </a:p>
-        </p:txBody>
-      </p:sp>
-    </p:spTree>
-    <p:extLst>
-      <p:ext uri="{BB962C8B-B14F-4D97-AF65-F5344CB8AC3E}">
-        <p14:creationId xmlns:p14="http://schemas.microsoft.com/office/powerpoint/2010/main" val="334914450"/>
-      </p:ext>
-    </p:extLst>
-  </p:cSld>
-  <p:clrMapOvr>
-    <a:masterClrMapping/>
-  </p:clrMapOvr>
-</p:sld>
-</file>
-
 <file path=ppt/slides/slide2.xml><?xml version="1.0" encoding="utf-8"?>
 <p:sld xmlns:a="http://schemas.openxmlformats.org/drawingml/2006/main" xmlns:r="http://schemas.openxmlformats.org/officeDocument/2006/relationships" xmlns:p="http://schemas.openxmlformats.org/presentationml/2006/main">
   <p:cSld>
@@ -5417,52 +4957,16 @@
         </p:spPr>
         <p:txBody>
           <a:bodyPr>
-            <a:normAutofit fontScale="92500" lnSpcReduction="20000"/>
+            <a:normAutofit/>
           </a:bodyPr>
           <a:lstStyle/>
           <a:p>
             <a:pPr algn="ctr"/>
-            <a:r>
-              <a:rPr lang="en-US" dirty="0">
-                <a:solidFill>
-                  <a:srgbClr val="FFFFFF"/>
-                </a:solidFill>
-              </a:rPr>
-              <a:t>Amber</a:t>
-            </a:r>
-          </a:p>
-          <a:p>
-            <a:pPr algn="ctr"/>
-            <a:r>
-              <a:rPr lang="en-US" dirty="0">
-                <a:solidFill>
-                  <a:srgbClr val="FFFFFF"/>
-                </a:solidFill>
-              </a:rPr>
-              <a:t>Christian</a:t>
-            </a:r>
-          </a:p>
-          <a:p>
-            <a:pPr algn="ctr"/>
-            <a:r>
-              <a:rPr lang="en-US" dirty="0">
-                <a:solidFill>
-                  <a:srgbClr val="FFFFFF"/>
-                </a:solidFill>
-              </a:rPr>
-              <a:t>Ishmael</a:t>
-            </a:r>
-          </a:p>
-          <a:p>
-            <a:pPr algn="ctr"/>
-            <a:r>
-              <a:rPr lang="en-US" dirty="0">
-                <a:solidFill>
-                  <a:srgbClr val="FFFFFF"/>
-                </a:solidFill>
-              </a:rPr>
-              <a:t>Steve</a:t>
-            </a:r>
+            <a:endParaRPr lang="en-US" dirty="0">
+              <a:solidFill>
+                <a:srgbClr val="FFFFFF"/>
+              </a:solidFill>
+            </a:endParaRPr>
           </a:p>
         </p:txBody>
       </p:sp>
@@ -5800,8 +5304,8 @@
         </p:nvSpPr>
         <p:spPr>
           <a:xfrm>
-            <a:off x="1018920" y="1353116"/>
-            <a:ext cx="10154126" cy="2246769"/>
+            <a:off x="2259098" y="488013"/>
+            <a:ext cx="7673767" cy="1877437"/>
           </a:xfrm>
           <a:prstGeom prst="rect">
             <a:avLst/>
@@ -5815,26 +5319,26 @@
           <a:lstStyle/>
           <a:p>
             <a:r>
-              <a:rPr lang="en-US" sz="4000" dirty="0">
+              <a:rPr lang="en-US" sz="3200" dirty="0">
                 <a:latin typeface="Arial Black" panose="020B0A04020102020204" pitchFamily="34" charset="0"/>
               </a:rPr>
               <a:t>Hypothesis</a:t>
             </a:r>
             <a:br>
-              <a:rPr lang="en-US" sz="4000" dirty="0"/>
+              <a:rPr lang="en-US" sz="3200" dirty="0"/>
             </a:br>
-            <a:endParaRPr lang="en-US" sz="4000" dirty="0"/>
-          </a:p>
-          <a:p>
-            <a:r>
-              <a:rPr lang="en-US" sz="3200" dirty="0">
+            <a:endParaRPr lang="en-US" sz="3200" dirty="0"/>
+          </a:p>
+          <a:p>
+            <a:r>
+              <a:rPr lang="en-US" sz="2400" dirty="0">
                 <a:effectLst/>
                 <a:latin typeface="Arial" panose="020B0604020202020204" pitchFamily="34" charset="0"/>
                 <a:ea typeface="Calibri" panose="020F0502020204030204" pitchFamily="34" charset="0"/>
               </a:rPr>
               <a:t>If GDP is lower, Last.fm will have a higher listenership. </a:t>
             </a:r>
-            <a:endParaRPr lang="en-US" sz="4000" dirty="0">
+            <a:endParaRPr lang="en-US" sz="3200" dirty="0">
               <a:latin typeface="Gill Sans Nova" panose="020B0602020104020203" pitchFamily="34" charset="0"/>
             </a:endParaRPr>
           </a:p>
@@ -5843,6 +5347,36 @@
           </a:p>
         </p:txBody>
       </p:sp>
+      <p:pic>
+        <p:nvPicPr>
+          <p:cNvPr id="4" name="Picture 3">
+            <a:extLst>
+              <a:ext uri="{FF2B5EF4-FFF2-40B4-BE49-F238E27FC236}">
+                <a16:creationId xmlns:a16="http://schemas.microsoft.com/office/drawing/2014/main" id="{ABF2189C-9430-4CF7-8784-D51945071CD3}"/>
+              </a:ext>
+            </a:extLst>
+          </p:cNvPr>
+          <p:cNvPicPr>
+            <a:picLocks noChangeAspect="1"/>
+          </p:cNvPicPr>
+          <p:nvPr/>
+        </p:nvPicPr>
+        <p:blipFill>
+          <a:blip r:embed="rId2"/>
+          <a:stretch>
+            <a:fillRect/>
+          </a:stretch>
+        </p:blipFill>
+        <p:spPr>
+          <a:xfrm>
+            <a:off x="2099708" y="2718436"/>
+            <a:ext cx="7992549" cy="2078916"/>
+          </a:xfrm>
+          <a:prstGeom prst="rect">
+            <a:avLst/>
+          </a:prstGeom>
+        </p:spPr>
+      </p:pic>
     </p:spTree>
     <p:extLst>
       <p:ext uri="{BB962C8B-B14F-4D97-AF65-F5344CB8AC3E}">
@@ -6036,230 +5570,6 @@
           </a:p>
         </p:txBody>
       </p:sp>
-      <p:sp>
-        <p:nvSpPr>
-          <p:cNvPr id="6" name="TextBox 5">
-            <a:extLst>
-              <a:ext uri="{FF2B5EF4-FFF2-40B4-BE49-F238E27FC236}">
-                <a16:creationId xmlns:a16="http://schemas.microsoft.com/office/drawing/2014/main" id="{E3C0F666-CCF9-4DE9-BEF2-4955C4B9A4A9}"/>
-              </a:ext>
-            </a:extLst>
-          </p:cNvPr>
-          <p:cNvSpPr txBox="1"/>
-          <p:nvPr/>
-        </p:nvSpPr>
-        <p:spPr>
-          <a:xfrm>
-            <a:off x="1536505" y="1277064"/>
-            <a:ext cx="7900561" cy="2250744"/>
-          </a:xfrm>
-          <a:prstGeom prst="rect">
-            <a:avLst/>
-          </a:prstGeom>
-          <a:noFill/>
-        </p:spPr>
-        <p:txBody>
-          <a:bodyPr wrap="none" rtlCol="0">
-            <a:spAutoFit/>
-          </a:bodyPr>
-          <a:lstStyle/>
-          <a:p>
-            <a:pPr marL="0" marR="0">
-              <a:lnSpc>
-                <a:spcPct val="107000"/>
-              </a:lnSpc>
-              <a:spcBef>
-                <a:spcPts val="0"/>
-              </a:spcBef>
-              <a:spcAft>
-                <a:spcPts val="0"/>
-              </a:spcAft>
-            </a:pPr>
-            <a:r>
-              <a:rPr lang="en-US" sz="2400" b="1" i="1" dirty="0">
-                <a:solidFill>
-                  <a:srgbClr val="000000"/>
-                </a:solidFill>
-                <a:effectLst/>
-                <a:latin typeface="Arial" panose="020B0604020202020204" pitchFamily="34" charset="0"/>
-                <a:ea typeface="Calibri" panose="020F0502020204030204" pitchFamily="34" charset="0"/>
-                <a:cs typeface="Arial" panose="020B0604020202020204" pitchFamily="34" charset="0"/>
-              </a:rPr>
-              <a:t>Limitations</a:t>
-            </a:r>
-          </a:p>
-          <a:p>
-            <a:pPr marL="0" marR="0">
-              <a:lnSpc>
-                <a:spcPct val="107000"/>
-              </a:lnSpc>
-              <a:spcBef>
-                <a:spcPts val="0"/>
-              </a:spcBef>
-              <a:spcAft>
-                <a:spcPts val="0"/>
-              </a:spcAft>
-            </a:pPr>
-            <a:endParaRPr lang="en-US" sz="1800" dirty="0">
-              <a:effectLst/>
-              <a:latin typeface="Arial" panose="020B0604020202020204" pitchFamily="34" charset="0"/>
-              <a:ea typeface="Calibri" panose="020F0502020204030204" pitchFamily="34" charset="0"/>
-              <a:cs typeface="Arial" panose="020B0604020202020204" pitchFamily="34" charset="0"/>
-            </a:endParaRPr>
-          </a:p>
-          <a:p>
-            <a:pPr marL="0" marR="0">
-              <a:lnSpc>
-                <a:spcPct val="107000"/>
-              </a:lnSpc>
-              <a:spcBef>
-                <a:spcPts val="0"/>
-              </a:spcBef>
-              <a:spcAft>
-                <a:spcPts val="0"/>
-              </a:spcAft>
-            </a:pPr>
-            <a:endParaRPr lang="en-US" sz="1800" dirty="0">
-              <a:effectLst/>
-              <a:latin typeface="Arial" panose="020B0604020202020204" pitchFamily="34" charset="0"/>
-              <a:ea typeface="Calibri" panose="020F0502020204030204" pitchFamily="34" charset="0"/>
-              <a:cs typeface="Arial" panose="020B0604020202020204" pitchFamily="34" charset="0"/>
-            </a:endParaRPr>
-          </a:p>
-          <a:p>
-            <a:pPr marL="342900" marR="0" lvl="0" indent="-342900">
-              <a:lnSpc>
-                <a:spcPct val="107000"/>
-              </a:lnSpc>
-              <a:spcBef>
-                <a:spcPts val="0"/>
-              </a:spcBef>
-              <a:spcAft>
-                <a:spcPts val="0"/>
-              </a:spcAft>
-              <a:buFont typeface="Symbol" panose="05050102010706020507" pitchFamily="18" charset="2"/>
-              <a:buChar char=""/>
-            </a:pPr>
-            <a:r>
-              <a:rPr lang="en-US" sz="1800" dirty="0">
-                <a:solidFill>
-                  <a:srgbClr val="000000"/>
-                </a:solidFill>
-                <a:effectLst/>
-                <a:latin typeface="Arial" panose="020B0604020202020204" pitchFamily="34" charset="0"/>
-                <a:ea typeface="Calibri" panose="020F0502020204030204" pitchFamily="34" charset="0"/>
-                <a:cs typeface="Times New Roman" panose="02020603050405020304" pitchFamily="18" charset="0"/>
-              </a:rPr>
-              <a:t>No time frame or trending ability</a:t>
-            </a:r>
-            <a:endParaRPr lang="en-US" sz="1800" dirty="0">
-              <a:effectLst/>
-              <a:latin typeface="Calibri" panose="020F0502020204030204" pitchFamily="34" charset="0"/>
-              <a:ea typeface="Calibri" panose="020F0502020204030204" pitchFamily="34" charset="0"/>
-              <a:cs typeface="Times New Roman" panose="02020603050405020304" pitchFamily="18" charset="0"/>
-            </a:endParaRPr>
-          </a:p>
-          <a:p>
-            <a:pPr marL="342900" marR="0" lvl="0" indent="-342900">
-              <a:lnSpc>
-                <a:spcPct val="107000"/>
-              </a:lnSpc>
-              <a:spcBef>
-                <a:spcPts val="0"/>
-              </a:spcBef>
-              <a:spcAft>
-                <a:spcPts val="0"/>
-              </a:spcAft>
-              <a:buFont typeface="Symbol" panose="05050102010706020507" pitchFamily="18" charset="2"/>
-              <a:buChar char=""/>
-            </a:pPr>
-            <a:r>
-              <a:rPr lang="en-US" sz="1800" dirty="0">
-                <a:solidFill>
-                  <a:srgbClr val="000000"/>
-                </a:solidFill>
-                <a:effectLst/>
-                <a:latin typeface="Arial" panose="020B0604020202020204" pitchFamily="34" charset="0"/>
-                <a:ea typeface="Calibri" panose="020F0502020204030204" pitchFamily="34" charset="0"/>
-                <a:cs typeface="Times New Roman" panose="02020603050405020304" pitchFamily="18" charset="0"/>
-              </a:rPr>
-              <a:t>Only Last.fm data</a:t>
-            </a:r>
-            <a:endParaRPr lang="en-US" sz="1800" dirty="0">
-              <a:effectLst/>
-              <a:latin typeface="Calibri" panose="020F0502020204030204" pitchFamily="34" charset="0"/>
-              <a:ea typeface="Calibri" panose="020F0502020204030204" pitchFamily="34" charset="0"/>
-              <a:cs typeface="Times New Roman" panose="02020603050405020304" pitchFamily="18" charset="0"/>
-            </a:endParaRPr>
-          </a:p>
-          <a:p>
-            <a:pPr marL="342900" marR="0" lvl="0" indent="-342900">
-              <a:lnSpc>
-                <a:spcPct val="107000"/>
-              </a:lnSpc>
-              <a:spcBef>
-                <a:spcPts val="0"/>
-              </a:spcBef>
-              <a:spcAft>
-                <a:spcPts val="0"/>
-              </a:spcAft>
-              <a:buFont typeface="Symbol" panose="05050102010706020507" pitchFamily="18" charset="2"/>
-              <a:buChar char=""/>
-            </a:pPr>
-            <a:r>
-              <a:rPr lang="en-US" sz="1800" dirty="0">
-                <a:solidFill>
-                  <a:srgbClr val="000000"/>
-                </a:solidFill>
-                <a:effectLst/>
-                <a:latin typeface="Arial" panose="020B0604020202020204" pitchFamily="34" charset="0"/>
-                <a:ea typeface="Calibri" panose="020F0502020204030204" pitchFamily="34" charset="0"/>
-                <a:cs typeface="Times New Roman" panose="02020603050405020304" pitchFamily="18" charset="0"/>
-              </a:rPr>
-              <a:t>Listeners versus population (could be a GDP correlation)—Access issue</a:t>
-            </a:r>
-            <a:endParaRPr lang="en-US" sz="1800" dirty="0">
-              <a:effectLst/>
-              <a:latin typeface="Calibri" panose="020F0502020204030204" pitchFamily="34" charset="0"/>
-              <a:ea typeface="Calibri" panose="020F0502020204030204" pitchFamily="34" charset="0"/>
-              <a:cs typeface="Times New Roman" panose="02020603050405020304" pitchFamily="18" charset="0"/>
-            </a:endParaRPr>
-          </a:p>
-          <a:p>
-            <a:pPr marL="342900" marR="0" lvl="0" indent="-342900">
-              <a:lnSpc>
-                <a:spcPct val="107000"/>
-              </a:lnSpc>
-              <a:spcBef>
-                <a:spcPts val="0"/>
-              </a:spcBef>
-              <a:spcAft>
-                <a:spcPts val="0"/>
-              </a:spcAft>
-              <a:buFont typeface="Symbol" panose="05050102010706020507" pitchFamily="18" charset="2"/>
-              <a:buChar char=""/>
-            </a:pPr>
-            <a:r>
-              <a:rPr lang="en-US" sz="1800" dirty="0">
-                <a:solidFill>
-                  <a:srgbClr val="000000"/>
-                </a:solidFill>
-                <a:effectLst/>
-                <a:latin typeface="Arial" panose="020B0604020202020204" pitchFamily="34" charset="0"/>
-                <a:ea typeface="Calibri" panose="020F0502020204030204" pitchFamily="34" charset="0"/>
-                <a:cs typeface="Times New Roman" panose="02020603050405020304" pitchFamily="18" charset="0"/>
-              </a:rPr>
-              <a:t>No demographic information </a:t>
-            </a:r>
-            <a:endParaRPr lang="en-US" sz="1800" dirty="0">
-              <a:effectLst/>
-              <a:latin typeface="Calibri" panose="020F0502020204030204" pitchFamily="34" charset="0"/>
-              <a:ea typeface="Calibri" panose="020F0502020204030204" pitchFamily="34" charset="0"/>
-              <a:cs typeface="Times New Roman" panose="02020603050405020304" pitchFamily="18" charset="0"/>
-            </a:endParaRPr>
-          </a:p>
-        </p:txBody>
-      </p:sp>
     </p:spTree>
     <p:extLst>
       <p:ext uri="{BB962C8B-B14F-4D97-AF65-F5344CB8AC3E}">
@@ -6471,7 +5781,7 @@
         <p:spPr>
           <a:xfrm>
             <a:off x="1013787" y="277992"/>
-            <a:ext cx="7353295" cy="819583"/>
+            <a:ext cx="8032968" cy="819583"/>
           </a:xfrm>
           <a:prstGeom prst="rect">
             <a:avLst/>
@@ -6502,7 +5812,7 @@
                 <a:ea typeface="Calibri" panose="020F0502020204030204" pitchFamily="34" charset="0"/>
                 <a:cs typeface="Times New Roman" panose="02020603050405020304" pitchFamily="18" charset="0"/>
               </a:rPr>
-              <a:t>Which artist are most popular based on their country play count?</a:t>
+              <a:t>Which artist are most popular based on their country play count? Steve</a:t>
             </a:r>
             <a:endParaRPr lang="en-US" sz="1800" dirty="0">
               <a:effectLst/>
@@ -6886,7 +6196,7 @@
         <p:spPr>
           <a:xfrm>
             <a:off x="716244" y="236194"/>
-            <a:ext cx="6164893" cy="819583"/>
+            <a:ext cx="6908686" cy="819583"/>
           </a:xfrm>
           <a:prstGeom prst="rect">
             <a:avLst/>
@@ -6917,7 +6227,7 @@
                 <a:ea typeface="Calibri" panose="020F0502020204030204" pitchFamily="34" charset="0"/>
                 <a:cs typeface="Times New Roman" panose="02020603050405020304" pitchFamily="18" charset="0"/>
               </a:rPr>
-              <a:t>Which countries’ users engage the most with the app?</a:t>
+              <a:t>Which countries’ users engage the most with the app?  Steve</a:t>
             </a:r>
             <a:endParaRPr lang="en-US" sz="1800" dirty="0">
               <a:effectLst/>
@@ -7471,6 +6781,78 @@
           <a:xfrm>
             <a:off x="0" y="381000"/>
             <a:ext cx="12192000" cy="6096000"/>
+          </a:xfrm>
+          <a:prstGeom prst="rect">
+            <a:avLst/>
+          </a:prstGeom>
+        </p:spPr>
+      </p:pic>
+      <p:pic>
+        <p:nvPicPr>
+          <p:cNvPr id="7" name="Picture 6" descr="Shape&#10;&#10;Description automatically generated with medium confidence">
+            <a:extLst>
+              <a:ext uri="{FF2B5EF4-FFF2-40B4-BE49-F238E27FC236}">
+                <a16:creationId xmlns:a16="http://schemas.microsoft.com/office/drawing/2014/main" id="{89441D1A-98A0-4AC2-815A-A6AE3B4B449D}"/>
+              </a:ext>
+            </a:extLst>
+          </p:cNvPr>
+          <p:cNvPicPr>
+            <a:picLocks noChangeAspect="1"/>
+          </p:cNvPicPr>
+          <p:nvPr/>
+        </p:nvPicPr>
+        <p:blipFill>
+          <a:blip r:embed="rId2">
+            <a:extLst>
+              <a:ext uri="{28A0092B-C50C-407E-A947-70E740481C1C}">
+                <a14:useLocalDpi xmlns:a14="http://schemas.microsoft.com/office/drawing/2010/main" val="0"/>
+              </a:ext>
+            </a:extLst>
+          </a:blip>
+          <a:stretch>
+            <a:fillRect/>
+          </a:stretch>
+        </p:blipFill>
+        <p:spPr>
+          <a:xfrm>
+            <a:off x="80423" y="142103"/>
+            <a:ext cx="12192000" cy="6096000"/>
+          </a:xfrm>
+          <a:prstGeom prst="rect">
+            <a:avLst/>
+          </a:prstGeom>
+        </p:spPr>
+      </p:pic>
+      <p:pic>
+        <p:nvPicPr>
+          <p:cNvPr id="10" name="Picture 9" descr="Background pattern&#10;&#10;Description automatically generated with low confidence">
+            <a:extLst>
+              <a:ext uri="{FF2B5EF4-FFF2-40B4-BE49-F238E27FC236}">
+                <a16:creationId xmlns:a16="http://schemas.microsoft.com/office/drawing/2014/main" id="{B4C60078-4157-4A65-9397-B8D17D5202A3}"/>
+              </a:ext>
+            </a:extLst>
+          </p:cNvPr>
+          <p:cNvPicPr>
+            <a:picLocks noChangeAspect="1"/>
+          </p:cNvPicPr>
+          <p:nvPr/>
+        </p:nvPicPr>
+        <p:blipFill>
+          <a:blip r:embed="rId3">
+            <a:extLst>
+              <a:ext uri="{28A0092B-C50C-407E-A947-70E740481C1C}">
+                <a14:useLocalDpi xmlns:a14="http://schemas.microsoft.com/office/drawing/2010/main" val="0"/>
+              </a:ext>
+            </a:extLst>
+          </a:blip>
+          <a:stretch>
+            <a:fillRect/>
+          </a:stretch>
+        </p:blipFill>
+        <p:spPr>
+          <a:xfrm>
+            <a:off x="192422" y="1283674"/>
+            <a:ext cx="5720573" cy="3334003"/>
           </a:xfrm>
           <a:prstGeom prst="rect">
             <a:avLst/>

--- a/The Eff {Strings} Project 1 Demo.pptx
+++ b/The Eff {Strings} Project 1 Demo.pptx
@@ -415,7 +415,7 @@
           <a:p>
             <a:fld id="{9184DA70-C731-4C70-880D-CCD4705E623C}" type="datetime1">
               <a:rPr lang="en-US" smtClean="0"/>
-              <a:t>5/6/2021</a:t>
+              <a:t>5/7/2021</a:t>
             </a:fld>
             <a:endParaRPr lang="en-US" dirty="0"/>
           </a:p>
@@ -603,7 +603,7 @@
           <a:p>
             <a:fld id="{B612A279-0833-481D-8C56-F67FD0AC6C50}" type="datetime1">
               <a:rPr lang="en-US" smtClean="0"/>
-              <a:t>5/6/2021</a:t>
+              <a:t>5/7/2021</a:t>
             </a:fld>
             <a:endParaRPr lang="en-US" dirty="0"/>
           </a:p>
@@ -845,7 +845,7 @@
           <a:p>
             <a:fld id="{6587DA83-5663-4C9C-B9AA-0B40A3DAFF81}" type="datetime1">
               <a:rPr lang="en-US" smtClean="0"/>
-              <a:t>5/6/2021</a:t>
+              <a:t>5/7/2021</a:t>
             </a:fld>
             <a:endParaRPr lang="en-US" dirty="0"/>
           </a:p>
@@ -1033,7 +1033,7 @@
           <a:p>
             <a:fld id="{4BE1D723-8F53-4F53-90B0-1982A396982E}" type="datetime1">
               <a:rPr lang="en-US" smtClean="0"/>
-              <a:t>5/6/2021</a:t>
+              <a:t>5/7/2021</a:t>
             </a:fld>
             <a:endParaRPr lang="en-US" dirty="0"/>
           </a:p>
@@ -1406,7 +1406,7 @@
           <a:p>
             <a:fld id="{97669AF7-7BEB-44E4-9852-375E34362B5B}" type="datetime1">
               <a:rPr lang="en-US" smtClean="0"/>
-              <a:t>5/6/2021</a:t>
+              <a:t>5/7/2021</a:t>
             </a:fld>
             <a:endParaRPr lang="en-US" dirty="0"/>
           </a:p>
@@ -1661,7 +1661,7 @@
           <a:p>
             <a:fld id="{BAAAC38D-0552-4C82-B593-E6124DFADBE2}" type="datetime1">
               <a:rPr lang="en-US" smtClean="0"/>
-              <a:t>5/6/2021</a:t>
+              <a:t>5/7/2021</a:t>
             </a:fld>
             <a:endParaRPr lang="en-US" dirty="0"/>
           </a:p>
@@ -2058,7 +2058,7 @@
           <a:p>
             <a:fld id="{D9DF0F1C-5577-4ACB-BB62-DF8F3C494C7E}" type="datetime1">
               <a:rPr lang="en-US" smtClean="0"/>
-              <a:t>5/6/2021</a:t>
+              <a:t>5/7/2021</a:t>
             </a:fld>
             <a:endParaRPr lang="en-US" dirty="0"/>
           </a:p>
@@ -2194,7 +2194,7 @@
           <a:p>
             <a:fld id="{1775B394-D9F9-4F0C-B15D-605F45CB9E9F}" type="datetime1">
               <a:rPr lang="en-US" smtClean="0"/>
-              <a:t>5/6/2021</a:t>
+              <a:t>5/7/2021</a:t>
             </a:fld>
             <a:endParaRPr lang="en-US" dirty="0"/>
           </a:p>
@@ -2351,7 +2351,7 @@
           <a:p>
             <a:fld id="{39667345-2558-425A-8533-9BFDBCE15005}" type="datetime1">
               <a:rPr lang="en-US" smtClean="0"/>
-              <a:t>5/6/2021</a:t>
+              <a:t>5/7/2021</a:t>
             </a:fld>
             <a:endParaRPr lang="en-US" dirty="0"/>
           </a:p>
@@ -2680,7 +2680,7 @@
           <a:p>
             <a:fld id="{92BEA474-078D-4E9B-9B14-09A87B19DC46}" type="datetime1">
               <a:rPr lang="en-US" smtClean="0"/>
-              <a:t>5/6/2021</a:t>
+              <a:t>5/7/2021</a:t>
             </a:fld>
             <a:endParaRPr lang="en-US" dirty="0"/>
           </a:p>
@@ -3030,7 +3030,7 @@
           <a:p>
             <a:fld id="{4907D986-8816-4272-A432-0437A28A9828}" type="datetime1">
               <a:rPr lang="en-US" smtClean="0"/>
-              <a:t>5/6/2021</a:t>
+              <a:t>5/7/2021</a:t>
             </a:fld>
             <a:endParaRPr lang="en-US" dirty="0"/>
           </a:p>
@@ -3291,7 +3291,7 @@
           <a:p>
             <a:fld id="{62D6E202-B606-4609-B914-27C9371A1F6D}" type="datetime1">
               <a:rPr lang="en-US" smtClean="0"/>
-              <a:t>5/6/2021</a:t>
+              <a:t>5/7/2021</a:t>
             </a:fld>
             <a:endParaRPr lang="en-US" dirty="0"/>
           </a:p>
@@ -6873,7 +6873,7 @@
 </file>
 
 <file path=ppt/slides/slide8.xml><?xml version="1.0" encoding="utf-8"?>
-<p:sld xmlns:a="http://schemas.openxmlformats.org/drawingml/2006/main" xmlns:r="http://schemas.openxmlformats.org/officeDocument/2006/relationships" xmlns:p="http://schemas.openxmlformats.org/presentationml/2006/main" show="0">
+<p:sld xmlns:a="http://schemas.openxmlformats.org/drawingml/2006/main" xmlns:r="http://schemas.openxmlformats.org/officeDocument/2006/relationships" xmlns:p="http://schemas.openxmlformats.org/presentationml/2006/main">
   <p:cSld>
     <p:bg>
       <p:bgPr>
@@ -7070,7 +7070,7 @@
         <p:spPr>
           <a:xfrm>
             <a:off x="504185" y="343306"/>
-            <a:ext cx="7738016" cy="373757"/>
+            <a:ext cx="2121093" cy="373757"/>
           </a:xfrm>
           <a:prstGeom prst="rect">
             <a:avLst/>
@@ -7101,23 +7101,7 @@
                 <a:ea typeface="Calibri" panose="020F0502020204030204" pitchFamily="34" charset="0"/>
                 <a:cs typeface="Times New Roman" panose="02020603050405020304" pitchFamily="18" charset="0"/>
               </a:rPr>
-              <a:t>Who are the most popular artists by </a:t>
-            </a:r>
-            <a:r>
-              <a:rPr lang="en-US" b="1" i="1" dirty="0">
-                <a:latin typeface="Arial" panose="020B0604020202020204" pitchFamily="34" charset="0"/>
-                <a:cs typeface="Times New Roman" panose="02020603050405020304" pitchFamily="18" charset="0"/>
-              </a:rPr>
-              <a:t>listeners per </a:t>
-            </a:r>
-            <a:r>
-              <a:rPr lang="en-US" sz="1800" b="1" i="1" dirty="0">
-                <a:effectLst/>
-                <a:latin typeface="Arial" panose="020B0604020202020204" pitchFamily="34" charset="0"/>
-                <a:ea typeface="Calibri" panose="020F0502020204030204" pitchFamily="34" charset="0"/>
-                <a:cs typeface="Times New Roman" panose="02020603050405020304" pitchFamily="18" charset="0"/>
-              </a:rPr>
-              <a:t>country?  Christian</a:t>
+              <a:t>Who are the most</a:t>
             </a:r>
             <a:endParaRPr lang="en-US" sz="1800" dirty="0">
               <a:effectLst/>
@@ -7128,62 +7112,78 @@
           </a:p>
         </p:txBody>
       </p:sp>
-      <p:sp>
-        <p:nvSpPr>
-          <p:cNvPr id="2" name="TextBox 1">
-            <a:extLst>
-              <a:ext uri="{FF2B5EF4-FFF2-40B4-BE49-F238E27FC236}">
-                <a16:creationId xmlns:a16="http://schemas.microsoft.com/office/drawing/2014/main" id="{95D2CFAF-5760-4B7F-B627-4093483C1396}"/>
-              </a:ext>
-            </a:extLst>
-          </p:cNvPr>
-          <p:cNvSpPr txBox="1"/>
+      <p:pic>
+        <p:nvPicPr>
+          <p:cNvPr id="5" name="Picture 4" descr="Chart&#10;&#10;Description automatically generated">
+            <a:extLst>
+              <a:ext uri="{FF2B5EF4-FFF2-40B4-BE49-F238E27FC236}">
+                <a16:creationId xmlns:a16="http://schemas.microsoft.com/office/drawing/2014/main" id="{0E02B161-B0E2-4866-84CE-544B27284A2C}"/>
+              </a:ext>
+            </a:extLst>
+          </p:cNvPr>
+          <p:cNvPicPr>
+            <a:picLocks noChangeAspect="1"/>
+          </p:cNvPicPr>
           <p:nvPr/>
-        </p:nvSpPr>
-        <p:spPr>
-          <a:xfrm>
-            <a:off x="6602083" y="989162"/>
-            <a:ext cx="5112589" cy="2862322"/>
+        </p:nvPicPr>
+        <p:blipFill>
+          <a:blip r:embed="rId2">
+            <a:extLst>
+              <a:ext uri="{28A0092B-C50C-407E-A947-70E740481C1C}">
+                <a14:useLocalDpi xmlns:a14="http://schemas.microsoft.com/office/drawing/2010/main" val="0"/>
+              </a:ext>
+            </a:extLst>
+          </a:blip>
+          <a:stretch>
+            <a:fillRect/>
+          </a:stretch>
+        </p:blipFill>
+        <p:spPr>
+          <a:xfrm>
+            <a:off x="610269" y="801047"/>
+            <a:ext cx="5485714" cy="3657143"/>
           </a:xfrm>
           <a:prstGeom prst="rect">
             <a:avLst/>
           </a:prstGeom>
-          <a:noFill/>
-        </p:spPr>
-        <p:txBody>
-          <a:bodyPr wrap="square" rtlCol="0">
-            <a:spAutoFit/>
-          </a:bodyPr>
-          <a:lstStyle/>
-          <a:p>
-            <a:r>
-              <a:rPr lang="en-US" dirty="0"/>
-              <a:t>Artists with the most listeners (or users) per country are: </a:t>
-            </a:r>
-          </a:p>
-          <a:p>
-            <a:endParaRPr lang="en-US" dirty="0"/>
-          </a:p>
-          <a:p>
-            <a:endParaRPr lang="en-US" dirty="0"/>
-          </a:p>
-          <a:p>
-            <a:endParaRPr lang="en-US" dirty="0"/>
-          </a:p>
-          <a:p>
-            <a:endParaRPr lang="en-US" dirty="0"/>
-          </a:p>
-          <a:p>
-            <a:endParaRPr lang="en-US" dirty="0"/>
-          </a:p>
-          <a:p>
-            <a:r>
-              <a:rPr lang="en-US" dirty="0"/>
-              <a:t>This correlates directly to the hypothesis that countries with higher or lower GDP will reflect more or less use of the app.</a:t>
-            </a:r>
-          </a:p>
-        </p:txBody>
-      </p:sp>
+        </p:spPr>
+      </p:pic>
+      <p:pic>
+        <p:nvPicPr>
+          <p:cNvPr id="8" name="Picture 7" descr="Chart, bar chart&#10;&#10;Description automatically generated">
+            <a:extLst>
+              <a:ext uri="{FF2B5EF4-FFF2-40B4-BE49-F238E27FC236}">
+                <a16:creationId xmlns:a16="http://schemas.microsoft.com/office/drawing/2014/main" id="{FC4E77AF-72DA-478B-9F62-1E8040D042A2}"/>
+              </a:ext>
+            </a:extLst>
+          </p:cNvPr>
+          <p:cNvPicPr>
+            <a:picLocks noChangeAspect="1"/>
+          </p:cNvPicPr>
+          <p:nvPr/>
+        </p:nvPicPr>
+        <p:blipFill>
+          <a:blip r:embed="rId3">
+            <a:extLst>
+              <a:ext uri="{28A0092B-C50C-407E-A947-70E740481C1C}">
+                <a14:useLocalDpi xmlns:a14="http://schemas.microsoft.com/office/drawing/2010/main" val="0"/>
+              </a:ext>
+            </a:extLst>
+          </a:blip>
+          <a:stretch>
+            <a:fillRect/>
+          </a:stretch>
+        </p:blipFill>
+        <p:spPr>
+          <a:xfrm>
+            <a:off x="5989966" y="1230702"/>
+            <a:ext cx="5948991" cy="2789566"/>
+          </a:xfrm>
+          <a:prstGeom prst="rect">
+            <a:avLst/>
+          </a:prstGeom>
+        </p:spPr>
+      </p:pic>
     </p:spTree>
     <p:extLst>
       <p:ext uri="{BB962C8B-B14F-4D97-AF65-F5344CB8AC3E}">
@@ -7395,7 +7395,7 @@
         <p:spPr>
           <a:xfrm>
             <a:off x="504185" y="343306"/>
-            <a:ext cx="6340197" cy="373757"/>
+            <a:ext cx="5416868" cy="373757"/>
           </a:xfrm>
           <a:prstGeom prst="rect">
             <a:avLst/>
@@ -7425,7 +7425,7 @@
                 <a:latin typeface="Arial" panose="020B0604020202020204" pitchFamily="34" charset="0"/>
                 <a:ea typeface="Calibri" panose="020F0502020204030204" pitchFamily="34" charset="0"/>
               </a:rPr>
-              <a:t>Which 5 artists are played most often globally? Ishmael </a:t>
+              <a:t>Which 5 artists are played most often globally? </a:t>
             </a:r>
             <a:endParaRPr lang="en-US" sz="1800" dirty="0">
               <a:effectLst/>
